--- a/assets/docs/Content_Filtering_Wikipedia.pptx
+++ b/assets/docs/Content_Filtering_Wikipedia.pptx
@@ -11710,7 +11710,7 @@
                 <a:cs typeface="Montserrat"/>
                 <a:sym typeface="Montserrat"/>
               </a:rPr>
-              <a:t>Team 3: Jooyeon Song, Zhihao Lin, Vikram Jindal</a:t>
+              <a:t>Team 3: Zhihao Lin, Vikram Jindal</a:t>
             </a:r>
             <a:endParaRPr sz="1800">
               <a:solidFill>
@@ -11790,7 +11790,7 @@
                 <a:cs typeface="Montserrat"/>
                 <a:sym typeface="Montserrat"/>
               </a:rPr>
-              <a:t>Team 5: Ting-Wei Su, Ian Taylor, Erica Pincus</a:t>
+              <a:t>Team 5: Abhishek Garg, Ian Taylor, Erica Pincus</a:t>
             </a:r>
             <a:endParaRPr sz="1800">
               <a:solidFill>
@@ -11866,7 +11866,7 @@
                 <a:cs typeface="Montserrat"/>
                 <a:sym typeface="Montserrat"/>
               </a:rPr>
-              <a:t>Team 7: Sam Yang, Tyler Su, Alexander Maschmedt</a:t>
+              <a:t>Team 7: Tyler Su, Alexander Maschmedt</a:t>
             </a:r>
             <a:endParaRPr sz="1800">
               <a:solidFill>
@@ -13501,7 +13501,7 @@
             <a:tbl>
               <a:tblPr>
                 <a:noFill/>
-                <a:tableStyleId>{3A9E6495-68C9-4742-9B97-836A5AC07115}</a:tableStyleId>
+                <a:tableStyleId>{1CAB1EC9-E9F6-4C03-96E6-0C04315136C6}</a:tableStyleId>
               </a:tblPr>
               <a:tblGrid>
                 <a:gridCol w="439725"/>
